--- a/제출용 폴더/포트폴리오_안준성.pptx
+++ b/제출용 폴더/포트폴리오_안준성.pptx
@@ -5,7 +5,7 @@
     <p:sldMasterId id="2147483648" r:id="rId1"/>
   </p:sldMasterIdLst>
   <p:notesMasterIdLst>
-    <p:notesMasterId r:id="rId17"/>
+    <p:notesMasterId r:id="rId20"/>
   </p:notesMasterIdLst>
   <p:sldIdLst>
     <p:sldId id="256" r:id="rId2"/>
@@ -16,13 +16,16 @@
     <p:sldId id="266" r:id="rId7"/>
     <p:sldId id="262" r:id="rId8"/>
     <p:sldId id="263" r:id="rId9"/>
-    <p:sldId id="265" r:id="rId10"/>
-    <p:sldId id="267" r:id="rId11"/>
-    <p:sldId id="268" r:id="rId12"/>
-    <p:sldId id="269" r:id="rId13"/>
-    <p:sldId id="270" r:id="rId14"/>
-    <p:sldId id="272" r:id="rId15"/>
-    <p:sldId id="271" r:id="rId16"/>
+    <p:sldId id="274" r:id="rId10"/>
+    <p:sldId id="275" r:id="rId11"/>
+    <p:sldId id="276" r:id="rId12"/>
+    <p:sldId id="277" r:id="rId13"/>
+    <p:sldId id="271" r:id="rId14"/>
+    <p:sldId id="278" r:id="rId15"/>
+    <p:sldId id="279" r:id="rId16"/>
+    <p:sldId id="280" r:id="rId17"/>
+    <p:sldId id="281" r:id="rId18"/>
+    <p:sldId id="282" r:id="rId19"/>
   </p:sldIdLst>
   <p:sldSz cx="9144000" cy="6858000" type="screen4x3"/>
   <p:notesSz cx="6858000" cy="9144000"/>
@@ -222,7 +225,7 @@
           <a:p>
             <a:fld id="{D3C60A75-F9F6-4BCE-BA89-5720E8C5384D}" type="datetimeFigureOut">
               <a:rPr lang="ko-KR" altLang="en-US" smtClean="0"/>
-              <a:t>2020-09-23</a:t>
+              <a:t>2020-09-24</a:t>
             </a:fld>
             <a:endParaRPr lang="ko-KR" altLang="en-US"/>
           </a:p>
@@ -755,7 +758,7 @@
           <a:p>
             <a:fld id="{6E4B511B-4532-46B9-B608-E378E1AAA20A}" type="datetimeFigureOut">
               <a:rPr lang="ko-KR" altLang="en-US" smtClean="0"/>
-              <a:t>2020-09-23</a:t>
+              <a:t>2020-09-24</a:t>
             </a:fld>
             <a:endParaRPr lang="ko-KR" altLang="en-US"/>
           </a:p>
@@ -925,7 +928,7 @@
           <a:p>
             <a:fld id="{6E4B511B-4532-46B9-B608-E378E1AAA20A}" type="datetimeFigureOut">
               <a:rPr lang="ko-KR" altLang="en-US" smtClean="0"/>
-              <a:t>2020-09-23</a:t>
+              <a:t>2020-09-24</a:t>
             </a:fld>
             <a:endParaRPr lang="ko-KR" altLang="en-US"/>
           </a:p>
@@ -1105,7 +1108,7 @@
           <a:p>
             <a:fld id="{6E4B511B-4532-46B9-B608-E378E1AAA20A}" type="datetimeFigureOut">
               <a:rPr lang="ko-KR" altLang="en-US" smtClean="0"/>
-              <a:t>2020-09-23</a:t>
+              <a:t>2020-09-24</a:t>
             </a:fld>
             <a:endParaRPr lang="ko-KR" altLang="en-US"/>
           </a:p>
@@ -1275,7 +1278,7 @@
           <a:p>
             <a:fld id="{6E4B511B-4532-46B9-B608-E378E1AAA20A}" type="datetimeFigureOut">
               <a:rPr lang="ko-KR" altLang="en-US" smtClean="0"/>
-              <a:t>2020-09-23</a:t>
+              <a:t>2020-09-24</a:t>
             </a:fld>
             <a:endParaRPr lang="ko-KR" altLang="en-US"/>
           </a:p>
@@ -1521,7 +1524,7 @@
           <a:p>
             <a:fld id="{6E4B511B-4532-46B9-B608-E378E1AAA20A}" type="datetimeFigureOut">
               <a:rPr lang="ko-KR" altLang="en-US" smtClean="0"/>
-              <a:t>2020-09-23</a:t>
+              <a:t>2020-09-24</a:t>
             </a:fld>
             <a:endParaRPr lang="ko-KR" altLang="en-US"/>
           </a:p>
@@ -1809,7 +1812,7 @@
           <a:p>
             <a:fld id="{6E4B511B-4532-46B9-B608-E378E1AAA20A}" type="datetimeFigureOut">
               <a:rPr lang="ko-KR" altLang="en-US" smtClean="0"/>
-              <a:t>2020-09-23</a:t>
+              <a:t>2020-09-24</a:t>
             </a:fld>
             <a:endParaRPr lang="ko-KR" altLang="en-US"/>
           </a:p>
@@ -2231,7 +2234,7 @@
           <a:p>
             <a:fld id="{6E4B511B-4532-46B9-B608-E378E1AAA20A}" type="datetimeFigureOut">
               <a:rPr lang="ko-KR" altLang="en-US" smtClean="0"/>
-              <a:t>2020-09-23</a:t>
+              <a:t>2020-09-24</a:t>
             </a:fld>
             <a:endParaRPr lang="ko-KR" altLang="en-US"/>
           </a:p>
@@ -2349,7 +2352,7 @@
           <a:p>
             <a:fld id="{6E4B511B-4532-46B9-B608-E378E1AAA20A}" type="datetimeFigureOut">
               <a:rPr lang="ko-KR" altLang="en-US" smtClean="0"/>
-              <a:t>2020-09-23</a:t>
+              <a:t>2020-09-24</a:t>
             </a:fld>
             <a:endParaRPr lang="ko-KR" altLang="en-US"/>
           </a:p>
@@ -2444,7 +2447,7 @@
           <a:p>
             <a:fld id="{6E4B511B-4532-46B9-B608-E378E1AAA20A}" type="datetimeFigureOut">
               <a:rPr lang="ko-KR" altLang="en-US" smtClean="0"/>
-              <a:t>2020-09-23</a:t>
+              <a:t>2020-09-24</a:t>
             </a:fld>
             <a:endParaRPr lang="ko-KR" altLang="en-US"/>
           </a:p>
@@ -2721,7 +2724,7 @@
           <a:p>
             <a:fld id="{6E4B511B-4532-46B9-B608-E378E1AAA20A}" type="datetimeFigureOut">
               <a:rPr lang="ko-KR" altLang="en-US" smtClean="0"/>
-              <a:t>2020-09-23</a:t>
+              <a:t>2020-09-24</a:t>
             </a:fld>
             <a:endParaRPr lang="ko-KR" altLang="en-US"/>
           </a:p>
@@ -2974,7 +2977,7 @@
           <a:p>
             <a:fld id="{6E4B511B-4532-46B9-B608-E378E1AAA20A}" type="datetimeFigureOut">
               <a:rPr lang="ko-KR" altLang="en-US" smtClean="0"/>
-              <a:t>2020-09-23</a:t>
+              <a:t>2020-09-24</a:t>
             </a:fld>
             <a:endParaRPr lang="ko-KR" altLang="en-US"/>
           </a:p>
@@ -3202,7 +3205,7 @@
           <a:p>
             <a:fld id="{6E4B511B-4532-46B9-B608-E378E1AAA20A}" type="datetimeFigureOut">
               <a:rPr lang="ko-KR" altLang="en-US" smtClean="0"/>
-              <a:t>2020-09-23</a:t>
+              <a:t>2020-09-24</a:t>
             </a:fld>
             <a:endParaRPr lang="ko-KR" altLang="en-US"/>
           </a:p>
@@ -3844,7 +3847,7 @@
                 <a:latin typeface="나눔고딕" panose="020D0604000000000000" pitchFamily="50" charset="-127"/>
                 <a:ea typeface="나눔고딕" panose="020D0604000000000000" pitchFamily="50" charset="-127"/>
               </a:rPr>
-              <a:t>05</a:t>
+              <a:t>04</a:t>
             </a:r>
             <a:endParaRPr lang="ko-KR" altLang="en-US" sz="5400" spc="-150" dirty="0">
               <a:latin typeface="나눔고딕" panose="020D0604000000000000" pitchFamily="50" charset="-127"/>
@@ -3876,74 +3879,16 @@
           <a:lstStyle/>
           <a:p>
             <a:r>
-              <a:rPr lang="ko-KR" altLang="en-US" sz="2800" dirty="0" smtClean="0"/>
-              <a:t>구현 코드</a:t>
+              <a:rPr lang="en-US" altLang="ko-KR" sz="2800" dirty="0" smtClean="0"/>
+              <a:t>ERD &amp; DB</a:t>
             </a:r>
             <a:endParaRPr lang="ko-KR" altLang="en-US" sz="2800" dirty="0"/>
-          </a:p>
-        </p:txBody>
-      </p:sp>
-      <p:sp>
-        <p:nvSpPr>
-          <p:cNvPr id="8" name="TextBox 7"/>
-          <p:cNvSpPr txBox="1"/>
-          <p:nvPr/>
-        </p:nvSpPr>
-        <p:spPr>
-          <a:xfrm>
-            <a:off x="193122" y="2355222"/>
-            <a:ext cx="2592288" cy="369332"/>
-          </a:xfrm>
-          <a:prstGeom prst="rect">
-            <a:avLst/>
-          </a:prstGeom>
-          <a:noFill/>
-        </p:spPr>
-        <p:txBody>
-          <a:bodyPr wrap="square" rtlCol="0">
-            <a:spAutoFit/>
-          </a:bodyPr>
-          <a:lstStyle/>
-          <a:p>
-            <a:r>
-              <a:rPr lang="en-US" altLang="ko-KR" dirty="0" smtClean="0">
-                <a:solidFill>
-                  <a:schemeClr val="accent1">
-                    <a:lumMod val="50000"/>
-                  </a:schemeClr>
-                </a:solidFill>
-                <a:latin typeface="나눔고딕" panose="020D0604000000000000" pitchFamily="50" charset="-127"/>
-                <a:ea typeface="나눔고딕" panose="020D0604000000000000" pitchFamily="50" charset="-127"/>
-              </a:rPr>
-              <a:t>Controller</a:t>
-            </a:r>
-            <a:r>
-              <a:rPr lang="ko-KR" altLang="en-US" dirty="0" smtClean="0">
-                <a:solidFill>
-                  <a:schemeClr val="accent1">
-                    <a:lumMod val="50000"/>
-                  </a:schemeClr>
-                </a:solidFill>
-                <a:latin typeface="나눔고딕" panose="020D0604000000000000" pitchFamily="50" charset="-127"/>
-                <a:ea typeface="나눔고딕" panose="020D0604000000000000" pitchFamily="50" charset="-127"/>
-              </a:rPr>
-              <a:t> 코드</a:t>
-            </a:r>
-            <a:endParaRPr lang="ko-KR" altLang="en-US" dirty="0">
-              <a:solidFill>
-                <a:schemeClr val="accent1">
-                  <a:lumMod val="50000"/>
-                </a:schemeClr>
-              </a:solidFill>
-              <a:latin typeface="나눔고딕" panose="020D0604000000000000" pitchFamily="50" charset="-127"/>
-              <a:ea typeface="나눔고딕" panose="020D0604000000000000" pitchFamily="50" charset="-127"/>
-            </a:endParaRPr>
           </a:p>
         </p:txBody>
       </p:sp>
       <p:pic>
         <p:nvPicPr>
-          <p:cNvPr id="3" name="그림 2"/>
+          <p:cNvPr id="6" name="그림 5"/>
           <p:cNvPicPr>
             <a:picLocks noChangeAspect="1"/>
           </p:cNvPicPr>
@@ -3963,8 +3908,38 @@
         </p:blipFill>
         <p:spPr>
           <a:xfrm>
-            <a:off x="2785410" y="2260507"/>
-            <a:ext cx="5631160" cy="4568918"/>
+            <a:off x="1187624" y="2283813"/>
+            <a:ext cx="5882400" cy="2225307"/>
+          </a:xfrm>
+          <a:prstGeom prst="rect">
+            <a:avLst/>
+          </a:prstGeom>
+        </p:spPr>
+      </p:pic>
+      <p:pic>
+        <p:nvPicPr>
+          <p:cNvPr id="7" name="그림 6"/>
+          <p:cNvPicPr>
+            <a:picLocks noChangeAspect="1"/>
+          </p:cNvPicPr>
+          <p:nvPr/>
+        </p:nvPicPr>
+        <p:blipFill>
+          <a:blip r:embed="rId3">
+            <a:extLst>
+              <a:ext uri="{28A0092B-C50C-407E-A947-70E740481C1C}">
+                <a14:useLocalDpi xmlns:a14="http://schemas.microsoft.com/office/drawing/2010/main" val="0"/>
+              </a:ext>
+            </a:extLst>
+          </a:blip>
+          <a:stretch>
+            <a:fillRect/>
+          </a:stretch>
+        </p:blipFill>
+        <p:spPr>
+          <a:xfrm>
+            <a:off x="1187624" y="4558811"/>
+            <a:ext cx="5882400" cy="2038541"/>
           </a:xfrm>
           <a:prstGeom prst="rect">
             <a:avLst/>
@@ -3974,7 +3949,7 @@
     </p:spTree>
     <p:extLst>
       <p:ext uri="{BB962C8B-B14F-4D97-AF65-F5344CB8AC3E}">
-        <p14:creationId xmlns:p14="http://schemas.microsoft.com/office/powerpoint/2010/main" val="2518833368"/>
+        <p14:creationId xmlns:p14="http://schemas.microsoft.com/office/powerpoint/2010/main" val="3497302720"/>
       </p:ext>
     </p:extLst>
   </p:cSld>
@@ -4035,7 +4010,7 @@
                 <a:latin typeface="나눔고딕" panose="020D0604000000000000" pitchFamily="50" charset="-127"/>
                 <a:ea typeface="나눔고딕" panose="020D0604000000000000" pitchFamily="50" charset="-127"/>
               </a:rPr>
-              <a:t>05</a:t>
+              <a:t>04</a:t>
             </a:r>
             <a:endParaRPr lang="ko-KR" altLang="en-US" sz="5400" spc="-150" dirty="0">
               <a:latin typeface="나눔고딕" panose="020D0604000000000000" pitchFamily="50" charset="-127"/>
@@ -4067,74 +4042,16 @@
           <a:lstStyle/>
           <a:p>
             <a:r>
-              <a:rPr lang="ko-KR" altLang="en-US" sz="2800" dirty="0" smtClean="0"/>
-              <a:t>구현 코드</a:t>
+              <a:rPr lang="en-US" altLang="ko-KR" sz="2800" dirty="0" smtClean="0"/>
+              <a:t>ERD &amp; DB</a:t>
             </a:r>
             <a:endParaRPr lang="ko-KR" altLang="en-US" sz="2800" dirty="0"/>
-          </a:p>
-        </p:txBody>
-      </p:sp>
-      <p:sp>
-        <p:nvSpPr>
-          <p:cNvPr id="8" name="TextBox 7"/>
-          <p:cNvSpPr txBox="1"/>
-          <p:nvPr/>
-        </p:nvSpPr>
-        <p:spPr>
-          <a:xfrm>
-            <a:off x="193122" y="2355222"/>
-            <a:ext cx="2592288" cy="369332"/>
-          </a:xfrm>
-          <a:prstGeom prst="rect">
-            <a:avLst/>
-          </a:prstGeom>
-          <a:noFill/>
-        </p:spPr>
-        <p:txBody>
-          <a:bodyPr wrap="square" rtlCol="0">
-            <a:spAutoFit/>
-          </a:bodyPr>
-          <a:lstStyle/>
-          <a:p>
-            <a:r>
-              <a:rPr lang="en-US" altLang="ko-KR" dirty="0" smtClean="0">
-                <a:solidFill>
-                  <a:schemeClr val="accent1">
-                    <a:lumMod val="50000"/>
-                  </a:schemeClr>
-                </a:solidFill>
-                <a:latin typeface="나눔고딕" panose="020D0604000000000000" pitchFamily="50" charset="-127"/>
-                <a:ea typeface="나눔고딕" panose="020D0604000000000000" pitchFamily="50" charset="-127"/>
-              </a:rPr>
-              <a:t>Service </a:t>
-            </a:r>
-            <a:r>
-              <a:rPr lang="ko-KR" altLang="en-US" dirty="0" smtClean="0">
-                <a:solidFill>
-                  <a:schemeClr val="accent1">
-                    <a:lumMod val="50000"/>
-                  </a:schemeClr>
-                </a:solidFill>
-                <a:latin typeface="나눔고딕" panose="020D0604000000000000" pitchFamily="50" charset="-127"/>
-                <a:ea typeface="나눔고딕" panose="020D0604000000000000" pitchFamily="50" charset="-127"/>
-              </a:rPr>
-              <a:t>코드</a:t>
-            </a:r>
-            <a:endParaRPr lang="ko-KR" altLang="en-US" dirty="0">
-              <a:solidFill>
-                <a:schemeClr val="accent1">
-                  <a:lumMod val="50000"/>
-                </a:schemeClr>
-              </a:solidFill>
-              <a:latin typeface="나눔고딕" panose="020D0604000000000000" pitchFamily="50" charset="-127"/>
-              <a:ea typeface="나눔고딕" panose="020D0604000000000000" pitchFamily="50" charset="-127"/>
-            </a:endParaRPr>
           </a:p>
         </p:txBody>
       </p:sp>
       <p:pic>
         <p:nvPicPr>
-          <p:cNvPr id="3" name="그림 2"/>
+          <p:cNvPr id="5" name="그림 4"/>
           <p:cNvPicPr>
             <a:picLocks noChangeAspect="1"/>
           </p:cNvPicPr>
@@ -4154,8 +4071,38 @@
         </p:blipFill>
         <p:spPr>
           <a:xfrm>
-            <a:off x="2785410" y="2244976"/>
-            <a:ext cx="4686209" cy="4568400"/>
+            <a:off x="1187624" y="2276872"/>
+            <a:ext cx="5882400" cy="2275673"/>
+          </a:xfrm>
+          <a:prstGeom prst="rect">
+            <a:avLst/>
+          </a:prstGeom>
+        </p:spPr>
+      </p:pic>
+      <p:pic>
+        <p:nvPicPr>
+          <p:cNvPr id="6" name="그림 5"/>
+          <p:cNvPicPr>
+            <a:picLocks noChangeAspect="1"/>
+          </p:cNvPicPr>
+          <p:nvPr/>
+        </p:nvPicPr>
+        <p:blipFill>
+          <a:blip r:embed="rId3">
+            <a:extLst>
+              <a:ext uri="{28A0092B-C50C-407E-A947-70E740481C1C}">
+                <a14:useLocalDpi xmlns:a14="http://schemas.microsoft.com/office/drawing/2010/main" val="0"/>
+              </a:ext>
+            </a:extLst>
+          </a:blip>
+          <a:stretch>
+            <a:fillRect/>
+          </a:stretch>
+        </p:blipFill>
+        <p:spPr>
+          <a:xfrm>
+            <a:off x="1187624" y="4581128"/>
+            <a:ext cx="5882400" cy="2107644"/>
           </a:xfrm>
           <a:prstGeom prst="rect">
             <a:avLst/>
@@ -4165,7 +4112,7 @@
     </p:spTree>
     <p:extLst>
       <p:ext uri="{BB962C8B-B14F-4D97-AF65-F5344CB8AC3E}">
-        <p14:creationId xmlns:p14="http://schemas.microsoft.com/office/powerpoint/2010/main" val="2977105366"/>
+        <p14:creationId xmlns:p14="http://schemas.microsoft.com/office/powerpoint/2010/main" val="1594205273"/>
       </p:ext>
     </p:extLst>
   </p:cSld>
@@ -4226,7 +4173,7 @@
                 <a:latin typeface="나눔고딕" panose="020D0604000000000000" pitchFamily="50" charset="-127"/>
                 <a:ea typeface="나눔고딕" panose="020D0604000000000000" pitchFamily="50" charset="-127"/>
               </a:rPr>
-              <a:t>05</a:t>
+              <a:t>04</a:t>
             </a:r>
             <a:endParaRPr lang="ko-KR" altLang="en-US" sz="5400" spc="-150" dirty="0">
               <a:latin typeface="나눔고딕" panose="020D0604000000000000" pitchFamily="50" charset="-127"/>
@@ -4258,86 +4205,16 @@
           <a:lstStyle/>
           <a:p>
             <a:r>
-              <a:rPr lang="ko-KR" altLang="en-US" sz="2800" dirty="0" smtClean="0"/>
-              <a:t>구현 코드</a:t>
+              <a:rPr lang="en-US" altLang="ko-KR" sz="2800" dirty="0" smtClean="0"/>
+              <a:t>ERD &amp; DB</a:t>
             </a:r>
             <a:endParaRPr lang="ko-KR" altLang="en-US" sz="2800" dirty="0"/>
-          </a:p>
-        </p:txBody>
-      </p:sp>
-      <p:sp>
-        <p:nvSpPr>
-          <p:cNvPr id="8" name="TextBox 7"/>
-          <p:cNvSpPr txBox="1"/>
-          <p:nvPr/>
-        </p:nvSpPr>
-        <p:spPr>
-          <a:xfrm>
-            <a:off x="193122" y="2355222"/>
-            <a:ext cx="2592288" cy="369332"/>
-          </a:xfrm>
-          <a:prstGeom prst="rect">
-            <a:avLst/>
-          </a:prstGeom>
-          <a:noFill/>
-        </p:spPr>
-        <p:txBody>
-          <a:bodyPr wrap="square" rtlCol="0">
-            <a:spAutoFit/>
-          </a:bodyPr>
-          <a:lstStyle/>
-          <a:p>
-            <a:r>
-              <a:rPr lang="en-US" altLang="ko-KR" dirty="0" err="1" smtClean="0">
-                <a:solidFill>
-                  <a:schemeClr val="accent1">
-                    <a:lumMod val="50000"/>
-                  </a:schemeClr>
-                </a:solidFill>
-                <a:latin typeface="나눔고딕" panose="020D0604000000000000" pitchFamily="50" charset="-127"/>
-                <a:ea typeface="나눔고딕" panose="020D0604000000000000" pitchFamily="50" charset="-127"/>
-              </a:rPr>
-              <a:t>ServiceImp</a:t>
-            </a:r>
-            <a:r>
-              <a:rPr lang="en-US" altLang="ko-KR" dirty="0" smtClean="0">
-                <a:solidFill>
-                  <a:schemeClr val="accent1">
-                    <a:lumMod val="50000"/>
-                  </a:schemeClr>
-                </a:solidFill>
-                <a:latin typeface="나눔고딕" panose="020D0604000000000000" pitchFamily="50" charset="-127"/>
-                <a:ea typeface="나눔고딕" panose="020D0604000000000000" pitchFamily="50" charset="-127"/>
-              </a:rPr>
-              <a:t> </a:t>
-            </a:r>
-            <a:r>
-              <a:rPr lang="ko-KR" altLang="en-US" dirty="0" smtClean="0">
-                <a:solidFill>
-                  <a:schemeClr val="accent1">
-                    <a:lumMod val="50000"/>
-                  </a:schemeClr>
-                </a:solidFill>
-                <a:latin typeface="나눔고딕" panose="020D0604000000000000" pitchFamily="50" charset="-127"/>
-                <a:ea typeface="나눔고딕" panose="020D0604000000000000" pitchFamily="50" charset="-127"/>
-              </a:rPr>
-              <a:t>코드</a:t>
-            </a:r>
-            <a:endParaRPr lang="ko-KR" altLang="en-US" dirty="0">
-              <a:solidFill>
-                <a:schemeClr val="accent1">
-                  <a:lumMod val="50000"/>
-                </a:schemeClr>
-              </a:solidFill>
-              <a:latin typeface="나눔고딕" panose="020D0604000000000000" pitchFamily="50" charset="-127"/>
-              <a:ea typeface="나눔고딕" panose="020D0604000000000000" pitchFamily="50" charset="-127"/>
-            </a:endParaRPr>
           </a:p>
         </p:txBody>
       </p:sp>
       <p:pic>
         <p:nvPicPr>
-          <p:cNvPr id="3" name="그림 2"/>
+          <p:cNvPr id="5" name="그림 4"/>
           <p:cNvPicPr>
             <a:picLocks noChangeAspect="1"/>
           </p:cNvPicPr>
@@ -4357,8 +4234,8 @@
         </p:blipFill>
         <p:spPr>
           <a:xfrm>
-            <a:off x="2785410" y="2267342"/>
-            <a:ext cx="4308586" cy="4568400"/>
+            <a:off x="1187624" y="2348880"/>
+            <a:ext cx="5882400" cy="3821850"/>
           </a:xfrm>
           <a:prstGeom prst="rect">
             <a:avLst/>
@@ -4368,7 +4245,7 @@
     </p:spTree>
     <p:extLst>
       <p:ext uri="{BB962C8B-B14F-4D97-AF65-F5344CB8AC3E}">
-        <p14:creationId xmlns:p14="http://schemas.microsoft.com/office/powerpoint/2010/main" val="196203401"/>
+        <p14:creationId xmlns:p14="http://schemas.microsoft.com/office/powerpoint/2010/main" val="846140195"/>
       </p:ext>
     </p:extLst>
   </p:cSld>
@@ -4500,7 +4377,7 @@
                 <a:latin typeface="나눔고딕" panose="020D0604000000000000" pitchFamily="50" charset="-127"/>
                 <a:ea typeface="나눔고딕" panose="020D0604000000000000" pitchFamily="50" charset="-127"/>
               </a:rPr>
-              <a:t>Dao </a:t>
+              <a:t>Mapper </a:t>
             </a:r>
             <a:r>
               <a:rPr lang="ko-KR" altLang="en-US" dirty="0" smtClean="0">
@@ -4526,40 +4403,10 @@
           </a:p>
         </p:txBody>
       </p:sp>
-      <p:pic>
-        <p:nvPicPr>
-          <p:cNvPr id="6" name="그림 5"/>
-          <p:cNvPicPr>
-            <a:picLocks noChangeAspect="1"/>
-          </p:cNvPicPr>
-          <p:nvPr/>
-        </p:nvPicPr>
-        <p:blipFill>
-          <a:blip r:embed="rId2">
-            <a:extLst>
-              <a:ext uri="{28A0092B-C50C-407E-A947-70E740481C1C}">
-                <a14:useLocalDpi xmlns:a14="http://schemas.microsoft.com/office/drawing/2010/main" val="0"/>
-              </a:ext>
-            </a:extLst>
-          </a:blip>
-          <a:stretch>
-            <a:fillRect/>
-          </a:stretch>
-        </p:blipFill>
-        <p:spPr>
-          <a:xfrm>
-            <a:off x="2785410" y="2244976"/>
-            <a:ext cx="5108182" cy="4568400"/>
-          </a:xfrm>
-          <a:prstGeom prst="rect">
-            <a:avLst/>
-          </a:prstGeom>
-        </p:spPr>
-      </p:pic>
     </p:spTree>
     <p:extLst>
       <p:ext uri="{BB962C8B-B14F-4D97-AF65-F5344CB8AC3E}">
-        <p14:creationId xmlns:p14="http://schemas.microsoft.com/office/powerpoint/2010/main" val="1497651693"/>
+        <p14:creationId xmlns:p14="http://schemas.microsoft.com/office/powerpoint/2010/main" val="3679712029"/>
       </p:ext>
     </p:extLst>
   </p:cSld>
@@ -4620,7 +4467,7 @@
                 <a:latin typeface="나눔고딕" panose="020D0604000000000000" pitchFamily="50" charset="-127"/>
                 <a:ea typeface="나눔고딕" panose="020D0604000000000000" pitchFamily="50" charset="-127"/>
               </a:rPr>
-              <a:t>05</a:t>
+              <a:t>04</a:t>
             </a:r>
             <a:endParaRPr lang="ko-KR" altLang="en-US" sz="5400" spc="-150" dirty="0">
               <a:latin typeface="나눔고딕" panose="020D0604000000000000" pitchFamily="50" charset="-127"/>
@@ -4652,68 +4499,10 @@
           <a:lstStyle/>
           <a:p>
             <a:r>
-              <a:rPr lang="ko-KR" altLang="en-US" sz="2800" dirty="0" smtClean="0"/>
-              <a:t>구현 코드</a:t>
+              <a:rPr lang="en-US" altLang="ko-KR" sz="2800" dirty="0" smtClean="0"/>
+              <a:t>ERD &amp; DB</a:t>
             </a:r>
             <a:endParaRPr lang="ko-KR" altLang="en-US" sz="2800" dirty="0"/>
-          </a:p>
-        </p:txBody>
-      </p:sp>
-      <p:sp>
-        <p:nvSpPr>
-          <p:cNvPr id="8" name="TextBox 7"/>
-          <p:cNvSpPr txBox="1"/>
-          <p:nvPr/>
-        </p:nvSpPr>
-        <p:spPr>
-          <a:xfrm>
-            <a:off x="193122" y="2355222"/>
-            <a:ext cx="2592288" cy="369332"/>
-          </a:xfrm>
-          <a:prstGeom prst="rect">
-            <a:avLst/>
-          </a:prstGeom>
-          <a:noFill/>
-        </p:spPr>
-        <p:txBody>
-          <a:bodyPr wrap="square" rtlCol="0">
-            <a:spAutoFit/>
-          </a:bodyPr>
-          <a:lstStyle/>
-          <a:p>
-            <a:r>
-              <a:rPr lang="en-US" altLang="ko-KR" dirty="0" smtClean="0">
-                <a:solidFill>
-                  <a:schemeClr val="accent1">
-                    <a:lumMod val="50000"/>
-                  </a:schemeClr>
-                </a:solidFill>
-                <a:latin typeface="나눔고딕" panose="020D0604000000000000" pitchFamily="50" charset="-127"/>
-                <a:ea typeface="나눔고딕" panose="020D0604000000000000" pitchFamily="50" charset="-127"/>
-              </a:rPr>
-              <a:t>Vo </a:t>
-            </a:r>
-            <a:r>
-              <a:rPr lang="ko-KR" altLang="en-US" dirty="0" smtClean="0">
-                <a:solidFill>
-                  <a:schemeClr val="accent1">
-                    <a:lumMod val="50000"/>
-                  </a:schemeClr>
-                </a:solidFill>
-                <a:latin typeface="나눔고딕" panose="020D0604000000000000" pitchFamily="50" charset="-127"/>
-                <a:ea typeface="나눔고딕" panose="020D0604000000000000" pitchFamily="50" charset="-127"/>
-              </a:rPr>
-              <a:t>코드</a:t>
-            </a:r>
-            <a:endParaRPr lang="ko-KR" altLang="en-US" dirty="0">
-              <a:solidFill>
-                <a:schemeClr val="accent1">
-                  <a:lumMod val="50000"/>
-                </a:schemeClr>
-              </a:solidFill>
-              <a:latin typeface="나눔고딕" panose="020D0604000000000000" pitchFamily="50" charset="-127"/>
-              <a:ea typeface="나눔고딕" panose="020D0604000000000000" pitchFamily="50" charset="-127"/>
-            </a:endParaRPr>
           </a:p>
         </p:txBody>
       </p:sp>
@@ -4739,8 +4528,8 @@
         </p:blipFill>
         <p:spPr>
           <a:xfrm>
-            <a:off x="2785410" y="2244976"/>
-            <a:ext cx="2498447" cy="4568400"/>
+            <a:off x="1187624" y="2204864"/>
+            <a:ext cx="5882400" cy="2778276"/>
           </a:xfrm>
           <a:prstGeom prst="rect">
             <a:avLst/>
@@ -4750,7 +4539,7 @@
     </p:spTree>
     <p:extLst>
       <p:ext uri="{BB962C8B-B14F-4D97-AF65-F5344CB8AC3E}">
-        <p14:creationId xmlns:p14="http://schemas.microsoft.com/office/powerpoint/2010/main" val="3306575533"/>
+        <p14:creationId xmlns:p14="http://schemas.microsoft.com/office/powerpoint/2010/main" val="2115646460"/>
       </p:ext>
     </p:extLst>
   </p:cSld>
@@ -4811,7 +4600,7 @@
                 <a:latin typeface="나눔고딕" panose="020D0604000000000000" pitchFamily="50" charset="-127"/>
                 <a:ea typeface="나눔고딕" panose="020D0604000000000000" pitchFamily="50" charset="-127"/>
               </a:rPr>
-              <a:t>05</a:t>
+              <a:t>04</a:t>
             </a:r>
             <a:endParaRPr lang="ko-KR" altLang="en-US" sz="5400" spc="-150" dirty="0">
               <a:latin typeface="나눔고딕" panose="020D0604000000000000" pitchFamily="50" charset="-127"/>
@@ -4843,74 +4632,16 @@
           <a:lstStyle/>
           <a:p>
             <a:r>
-              <a:rPr lang="ko-KR" altLang="en-US" sz="2800" dirty="0" smtClean="0"/>
-              <a:t>구현 코드</a:t>
+              <a:rPr lang="en-US" altLang="ko-KR" sz="2800" dirty="0" smtClean="0"/>
+              <a:t>ERD &amp; DB</a:t>
             </a:r>
             <a:endParaRPr lang="ko-KR" altLang="en-US" sz="2800" dirty="0"/>
-          </a:p>
-        </p:txBody>
-      </p:sp>
-      <p:sp>
-        <p:nvSpPr>
-          <p:cNvPr id="8" name="TextBox 7"/>
-          <p:cNvSpPr txBox="1"/>
-          <p:nvPr/>
-        </p:nvSpPr>
-        <p:spPr>
-          <a:xfrm>
-            <a:off x="193122" y="2355222"/>
-            <a:ext cx="2592288" cy="369332"/>
-          </a:xfrm>
-          <a:prstGeom prst="rect">
-            <a:avLst/>
-          </a:prstGeom>
-          <a:noFill/>
-        </p:spPr>
-        <p:txBody>
-          <a:bodyPr wrap="square" rtlCol="0">
-            <a:spAutoFit/>
-          </a:bodyPr>
-          <a:lstStyle/>
-          <a:p>
-            <a:r>
-              <a:rPr lang="en-US" altLang="ko-KR" dirty="0" smtClean="0">
-                <a:solidFill>
-                  <a:schemeClr val="accent1">
-                    <a:lumMod val="50000"/>
-                  </a:schemeClr>
-                </a:solidFill>
-                <a:latin typeface="나눔고딕" panose="020D0604000000000000" pitchFamily="50" charset="-127"/>
-                <a:ea typeface="나눔고딕" panose="020D0604000000000000" pitchFamily="50" charset="-127"/>
-              </a:rPr>
-              <a:t>Mapper </a:t>
-            </a:r>
-            <a:r>
-              <a:rPr lang="ko-KR" altLang="en-US" dirty="0" smtClean="0">
-                <a:solidFill>
-                  <a:schemeClr val="accent1">
-                    <a:lumMod val="50000"/>
-                  </a:schemeClr>
-                </a:solidFill>
-                <a:latin typeface="나눔고딕" panose="020D0604000000000000" pitchFamily="50" charset="-127"/>
-                <a:ea typeface="나눔고딕" panose="020D0604000000000000" pitchFamily="50" charset="-127"/>
-              </a:rPr>
-              <a:t>코드</a:t>
-            </a:r>
-            <a:endParaRPr lang="ko-KR" altLang="en-US" dirty="0">
-              <a:solidFill>
-                <a:schemeClr val="accent1">
-                  <a:lumMod val="50000"/>
-                </a:schemeClr>
-              </a:solidFill>
-              <a:latin typeface="나눔고딕" panose="020D0604000000000000" pitchFamily="50" charset="-127"/>
-              <a:ea typeface="나눔고딕" panose="020D0604000000000000" pitchFamily="50" charset="-127"/>
-            </a:endParaRPr>
           </a:p>
         </p:txBody>
       </p:sp>
       <p:pic>
         <p:nvPicPr>
-          <p:cNvPr id="3" name="그림 2"/>
+          <p:cNvPr id="5" name="그림 4"/>
           <p:cNvPicPr>
             <a:picLocks noChangeAspect="1"/>
           </p:cNvPicPr>
@@ -4930,8 +4661,38 @@
         </p:blipFill>
         <p:spPr>
           <a:xfrm>
-            <a:off x="2785410" y="2244976"/>
-            <a:ext cx="5369047" cy="4568400"/>
+            <a:off x="1187624" y="2276872"/>
+            <a:ext cx="5882400" cy="2366781"/>
+          </a:xfrm>
+          <a:prstGeom prst="rect">
+            <a:avLst/>
+          </a:prstGeom>
+        </p:spPr>
+      </p:pic>
+      <p:pic>
+        <p:nvPicPr>
+          <p:cNvPr id="7" name="그림 6"/>
+          <p:cNvPicPr>
+            <a:picLocks noChangeAspect="1"/>
+          </p:cNvPicPr>
+          <p:nvPr/>
+        </p:nvPicPr>
+        <p:blipFill>
+          <a:blip r:embed="rId3">
+            <a:extLst>
+              <a:ext uri="{28A0092B-C50C-407E-A947-70E740481C1C}">
+                <a14:useLocalDpi xmlns:a14="http://schemas.microsoft.com/office/drawing/2010/main" val="0"/>
+              </a:ext>
+            </a:extLst>
+          </a:blip>
+          <a:stretch>
+            <a:fillRect/>
+          </a:stretch>
+        </p:blipFill>
+        <p:spPr>
+          <a:xfrm>
+            <a:off x="1187624" y="4509120"/>
+            <a:ext cx="5882400" cy="2084247"/>
           </a:xfrm>
           <a:prstGeom prst="rect">
             <a:avLst/>
@@ -4941,7 +4702,466 @@
     </p:spTree>
     <p:extLst>
       <p:ext uri="{BB962C8B-B14F-4D97-AF65-F5344CB8AC3E}">
-        <p14:creationId xmlns:p14="http://schemas.microsoft.com/office/powerpoint/2010/main" val="3679712029"/>
+        <p14:creationId xmlns:p14="http://schemas.microsoft.com/office/powerpoint/2010/main" val="2819250269"/>
+      </p:ext>
+    </p:extLst>
+  </p:cSld>
+  <p:clrMapOvr>
+    <a:masterClrMapping/>
+  </p:clrMapOvr>
+  <p:timing>
+    <p:tnLst>
+      <p:par>
+        <p:cTn id="1" dur="indefinite" restart="never" nodeType="tmRoot"/>
+      </p:par>
+    </p:tnLst>
+  </p:timing>
+</p:sld>
+</file>
+
+<file path=ppt/slides/slide16.xml><?xml version="1.0" encoding="utf-8"?>
+<p:sld xmlns:a="http://schemas.openxmlformats.org/drawingml/2006/main" xmlns:r="http://schemas.openxmlformats.org/officeDocument/2006/relationships" xmlns:p="http://schemas.openxmlformats.org/presentationml/2006/main">
+  <p:cSld>
+    <p:spTree>
+      <p:nvGrpSpPr>
+        <p:cNvPr id="1" name=""/>
+        <p:cNvGrpSpPr/>
+        <p:nvPr/>
+      </p:nvGrpSpPr>
+      <p:grpSpPr>
+        <a:xfrm>
+          <a:off x="0" y="0"/>
+          <a:ext cx="0" cy="0"/>
+          <a:chOff x="0" y="0"/>
+          <a:chExt cx="0" cy="0"/>
+        </a:xfrm>
+      </p:grpSpPr>
+      <p:sp>
+        <p:nvSpPr>
+          <p:cNvPr id="2" name="TextBox 1"/>
+          <p:cNvSpPr txBox="1"/>
+          <p:nvPr/>
+        </p:nvSpPr>
+        <p:spPr>
+          <a:xfrm>
+            <a:off x="193122" y="116632"/>
+            <a:ext cx="2592288" cy="923330"/>
+          </a:xfrm>
+          <a:prstGeom prst="rect">
+            <a:avLst/>
+          </a:prstGeom>
+          <a:noFill/>
+        </p:spPr>
+        <p:txBody>
+          <a:bodyPr wrap="square" rtlCol="0">
+            <a:spAutoFit/>
+          </a:bodyPr>
+          <a:lstStyle/>
+          <a:p>
+            <a:r>
+              <a:rPr lang="en-US" altLang="ko-KR" sz="5400" spc="-150" dirty="0" smtClean="0">
+                <a:latin typeface="나눔고딕" panose="020D0604000000000000" pitchFamily="50" charset="-127"/>
+                <a:ea typeface="나눔고딕" panose="020D0604000000000000" pitchFamily="50" charset="-127"/>
+              </a:rPr>
+              <a:t>04</a:t>
+            </a:r>
+            <a:endParaRPr lang="ko-KR" altLang="en-US" sz="5400" spc="-150" dirty="0">
+              <a:latin typeface="나눔고딕" panose="020D0604000000000000" pitchFamily="50" charset="-127"/>
+              <a:ea typeface="나눔고딕" panose="020D0604000000000000" pitchFamily="50" charset="-127"/>
+            </a:endParaRPr>
+          </a:p>
+        </p:txBody>
+      </p:sp>
+      <p:sp>
+        <p:nvSpPr>
+          <p:cNvPr id="4" name="TextBox 3"/>
+          <p:cNvSpPr txBox="1"/>
+          <p:nvPr/>
+        </p:nvSpPr>
+        <p:spPr>
+          <a:xfrm>
+            <a:off x="1187624" y="385500"/>
+            <a:ext cx="4464496" cy="523220"/>
+          </a:xfrm>
+          <a:prstGeom prst="rect">
+            <a:avLst/>
+          </a:prstGeom>
+          <a:noFill/>
+        </p:spPr>
+        <p:txBody>
+          <a:bodyPr wrap="square" rtlCol="0">
+            <a:spAutoFit/>
+          </a:bodyPr>
+          <a:lstStyle/>
+          <a:p>
+            <a:r>
+              <a:rPr lang="en-US" altLang="ko-KR" sz="2800" dirty="0" smtClean="0"/>
+              <a:t>ERD &amp; DB</a:t>
+            </a:r>
+            <a:endParaRPr lang="ko-KR" altLang="en-US" sz="2800" dirty="0"/>
+          </a:p>
+        </p:txBody>
+      </p:sp>
+      <p:pic>
+        <p:nvPicPr>
+          <p:cNvPr id="3" name="그림 2"/>
+          <p:cNvPicPr>
+            <a:picLocks noChangeAspect="1"/>
+          </p:cNvPicPr>
+          <p:nvPr/>
+        </p:nvPicPr>
+        <p:blipFill>
+          <a:blip r:embed="rId2">
+            <a:extLst>
+              <a:ext uri="{28A0092B-C50C-407E-A947-70E740481C1C}">
+                <a14:useLocalDpi xmlns:a14="http://schemas.microsoft.com/office/drawing/2010/main" val="0"/>
+              </a:ext>
+            </a:extLst>
+          </a:blip>
+          <a:stretch>
+            <a:fillRect/>
+          </a:stretch>
+        </p:blipFill>
+        <p:spPr>
+          <a:xfrm>
+            <a:off x="1187624" y="2276872"/>
+            <a:ext cx="5882400" cy="2751445"/>
+          </a:xfrm>
+          <a:prstGeom prst="rect">
+            <a:avLst/>
+          </a:prstGeom>
+        </p:spPr>
+      </p:pic>
+    </p:spTree>
+    <p:extLst>
+      <p:ext uri="{BB962C8B-B14F-4D97-AF65-F5344CB8AC3E}">
+        <p14:creationId xmlns:p14="http://schemas.microsoft.com/office/powerpoint/2010/main" val="2260099165"/>
+      </p:ext>
+    </p:extLst>
+  </p:cSld>
+  <p:clrMapOvr>
+    <a:masterClrMapping/>
+  </p:clrMapOvr>
+  <p:timing>
+    <p:tnLst>
+      <p:par>
+        <p:cTn id="1" dur="indefinite" restart="never" nodeType="tmRoot"/>
+      </p:par>
+    </p:tnLst>
+  </p:timing>
+</p:sld>
+</file>
+
+<file path=ppt/slides/slide17.xml><?xml version="1.0" encoding="utf-8"?>
+<p:sld xmlns:a="http://schemas.openxmlformats.org/drawingml/2006/main" xmlns:r="http://schemas.openxmlformats.org/officeDocument/2006/relationships" xmlns:p="http://schemas.openxmlformats.org/presentationml/2006/main">
+  <p:cSld>
+    <p:spTree>
+      <p:nvGrpSpPr>
+        <p:cNvPr id="1" name=""/>
+        <p:cNvGrpSpPr/>
+        <p:nvPr/>
+      </p:nvGrpSpPr>
+      <p:grpSpPr>
+        <a:xfrm>
+          <a:off x="0" y="0"/>
+          <a:ext cx="0" cy="0"/>
+          <a:chOff x="0" y="0"/>
+          <a:chExt cx="0" cy="0"/>
+        </a:xfrm>
+      </p:grpSpPr>
+      <p:sp>
+        <p:nvSpPr>
+          <p:cNvPr id="2" name="TextBox 1"/>
+          <p:cNvSpPr txBox="1"/>
+          <p:nvPr/>
+        </p:nvSpPr>
+        <p:spPr>
+          <a:xfrm>
+            <a:off x="193122" y="116632"/>
+            <a:ext cx="2592288" cy="923330"/>
+          </a:xfrm>
+          <a:prstGeom prst="rect">
+            <a:avLst/>
+          </a:prstGeom>
+          <a:noFill/>
+        </p:spPr>
+        <p:txBody>
+          <a:bodyPr wrap="square" rtlCol="0">
+            <a:spAutoFit/>
+          </a:bodyPr>
+          <a:lstStyle/>
+          <a:p>
+            <a:r>
+              <a:rPr lang="en-US" altLang="ko-KR" sz="5400" spc="-150" dirty="0" smtClean="0">
+                <a:latin typeface="나눔고딕" panose="020D0604000000000000" pitchFamily="50" charset="-127"/>
+                <a:ea typeface="나눔고딕" panose="020D0604000000000000" pitchFamily="50" charset="-127"/>
+              </a:rPr>
+              <a:t>04</a:t>
+            </a:r>
+            <a:endParaRPr lang="ko-KR" altLang="en-US" sz="5400" spc="-150" dirty="0">
+              <a:latin typeface="나눔고딕" panose="020D0604000000000000" pitchFamily="50" charset="-127"/>
+              <a:ea typeface="나눔고딕" panose="020D0604000000000000" pitchFamily="50" charset="-127"/>
+            </a:endParaRPr>
+          </a:p>
+        </p:txBody>
+      </p:sp>
+      <p:sp>
+        <p:nvSpPr>
+          <p:cNvPr id="4" name="TextBox 3"/>
+          <p:cNvSpPr txBox="1"/>
+          <p:nvPr/>
+        </p:nvSpPr>
+        <p:spPr>
+          <a:xfrm>
+            <a:off x="1187624" y="385500"/>
+            <a:ext cx="4464496" cy="523220"/>
+          </a:xfrm>
+          <a:prstGeom prst="rect">
+            <a:avLst/>
+          </a:prstGeom>
+          <a:noFill/>
+        </p:spPr>
+        <p:txBody>
+          <a:bodyPr wrap="square" rtlCol="0">
+            <a:spAutoFit/>
+          </a:bodyPr>
+          <a:lstStyle/>
+          <a:p>
+            <a:r>
+              <a:rPr lang="en-US" altLang="ko-KR" sz="2800" dirty="0" smtClean="0"/>
+              <a:t>ERD &amp; DB</a:t>
+            </a:r>
+            <a:endParaRPr lang="ko-KR" altLang="en-US" sz="2800" dirty="0"/>
+          </a:p>
+        </p:txBody>
+      </p:sp>
+      <p:pic>
+        <p:nvPicPr>
+          <p:cNvPr id="5" name="그림 4"/>
+          <p:cNvPicPr>
+            <a:picLocks noChangeAspect="1"/>
+          </p:cNvPicPr>
+          <p:nvPr/>
+        </p:nvPicPr>
+        <p:blipFill>
+          <a:blip r:embed="rId2">
+            <a:extLst>
+              <a:ext uri="{28A0092B-C50C-407E-A947-70E740481C1C}">
+                <a14:useLocalDpi xmlns:a14="http://schemas.microsoft.com/office/drawing/2010/main" val="0"/>
+              </a:ext>
+            </a:extLst>
+          </a:blip>
+          <a:stretch>
+            <a:fillRect/>
+          </a:stretch>
+        </p:blipFill>
+        <p:spPr>
+          <a:xfrm>
+            <a:off x="1187624" y="2276872"/>
+            <a:ext cx="5882400" cy="2501314"/>
+          </a:xfrm>
+          <a:prstGeom prst="rect">
+            <a:avLst/>
+          </a:prstGeom>
+        </p:spPr>
+      </p:pic>
+      <p:pic>
+        <p:nvPicPr>
+          <p:cNvPr id="6" name="그림 5"/>
+          <p:cNvPicPr>
+            <a:picLocks noChangeAspect="1"/>
+          </p:cNvPicPr>
+          <p:nvPr/>
+        </p:nvPicPr>
+        <p:blipFill>
+          <a:blip r:embed="rId3">
+            <a:extLst>
+              <a:ext uri="{28A0092B-C50C-407E-A947-70E740481C1C}">
+                <a14:useLocalDpi xmlns:a14="http://schemas.microsoft.com/office/drawing/2010/main" val="0"/>
+              </a:ext>
+            </a:extLst>
+          </a:blip>
+          <a:stretch>
+            <a:fillRect/>
+          </a:stretch>
+        </p:blipFill>
+        <p:spPr>
+          <a:xfrm>
+            <a:off x="1187624" y="4745645"/>
+            <a:ext cx="5882400" cy="1851707"/>
+          </a:xfrm>
+          <a:prstGeom prst="rect">
+            <a:avLst/>
+          </a:prstGeom>
+        </p:spPr>
+      </p:pic>
+    </p:spTree>
+    <p:extLst>
+      <p:ext uri="{BB962C8B-B14F-4D97-AF65-F5344CB8AC3E}">
+        <p14:creationId xmlns:p14="http://schemas.microsoft.com/office/powerpoint/2010/main" val="273737388"/>
+      </p:ext>
+    </p:extLst>
+  </p:cSld>
+  <p:clrMapOvr>
+    <a:masterClrMapping/>
+  </p:clrMapOvr>
+  <p:timing>
+    <p:tnLst>
+      <p:par>
+        <p:cTn id="1" dur="indefinite" restart="never" nodeType="tmRoot"/>
+      </p:par>
+    </p:tnLst>
+  </p:timing>
+</p:sld>
+</file>
+
+<file path=ppt/slides/slide18.xml><?xml version="1.0" encoding="utf-8"?>
+<p:sld xmlns:a="http://schemas.openxmlformats.org/drawingml/2006/main" xmlns:r="http://schemas.openxmlformats.org/officeDocument/2006/relationships" xmlns:p="http://schemas.openxmlformats.org/presentationml/2006/main">
+  <p:cSld>
+    <p:spTree>
+      <p:nvGrpSpPr>
+        <p:cNvPr id="1" name=""/>
+        <p:cNvGrpSpPr/>
+        <p:nvPr/>
+      </p:nvGrpSpPr>
+      <p:grpSpPr>
+        <a:xfrm>
+          <a:off x="0" y="0"/>
+          <a:ext cx="0" cy="0"/>
+          <a:chOff x="0" y="0"/>
+          <a:chExt cx="0" cy="0"/>
+        </a:xfrm>
+      </p:grpSpPr>
+      <p:sp>
+        <p:nvSpPr>
+          <p:cNvPr id="2" name="TextBox 1"/>
+          <p:cNvSpPr txBox="1"/>
+          <p:nvPr/>
+        </p:nvSpPr>
+        <p:spPr>
+          <a:xfrm>
+            <a:off x="193122" y="116632"/>
+            <a:ext cx="2592288" cy="923330"/>
+          </a:xfrm>
+          <a:prstGeom prst="rect">
+            <a:avLst/>
+          </a:prstGeom>
+          <a:noFill/>
+        </p:spPr>
+        <p:txBody>
+          <a:bodyPr wrap="square" rtlCol="0">
+            <a:spAutoFit/>
+          </a:bodyPr>
+          <a:lstStyle/>
+          <a:p>
+            <a:r>
+              <a:rPr lang="en-US" altLang="ko-KR" sz="5400" spc="-150" dirty="0" smtClean="0">
+                <a:latin typeface="나눔고딕" panose="020D0604000000000000" pitchFamily="50" charset="-127"/>
+                <a:ea typeface="나눔고딕" panose="020D0604000000000000" pitchFamily="50" charset="-127"/>
+              </a:rPr>
+              <a:t>04</a:t>
+            </a:r>
+            <a:endParaRPr lang="ko-KR" altLang="en-US" sz="5400" spc="-150" dirty="0">
+              <a:latin typeface="나눔고딕" panose="020D0604000000000000" pitchFamily="50" charset="-127"/>
+              <a:ea typeface="나눔고딕" panose="020D0604000000000000" pitchFamily="50" charset="-127"/>
+            </a:endParaRPr>
+          </a:p>
+        </p:txBody>
+      </p:sp>
+      <p:sp>
+        <p:nvSpPr>
+          <p:cNvPr id="4" name="TextBox 3"/>
+          <p:cNvSpPr txBox="1"/>
+          <p:nvPr/>
+        </p:nvSpPr>
+        <p:spPr>
+          <a:xfrm>
+            <a:off x="1187624" y="385500"/>
+            <a:ext cx="4464496" cy="523220"/>
+          </a:xfrm>
+          <a:prstGeom prst="rect">
+            <a:avLst/>
+          </a:prstGeom>
+          <a:noFill/>
+        </p:spPr>
+        <p:txBody>
+          <a:bodyPr wrap="square" rtlCol="0">
+            <a:spAutoFit/>
+          </a:bodyPr>
+          <a:lstStyle/>
+          <a:p>
+            <a:r>
+              <a:rPr lang="en-US" altLang="ko-KR" sz="2800" dirty="0" smtClean="0"/>
+              <a:t>ERD &amp; DB</a:t>
+            </a:r>
+            <a:endParaRPr lang="ko-KR" altLang="en-US" sz="2800" dirty="0"/>
+          </a:p>
+        </p:txBody>
+      </p:sp>
+      <p:pic>
+        <p:nvPicPr>
+          <p:cNvPr id="5" name="그림 4"/>
+          <p:cNvPicPr>
+            <a:picLocks noChangeAspect="1"/>
+          </p:cNvPicPr>
+          <p:nvPr/>
+        </p:nvPicPr>
+        <p:blipFill>
+          <a:blip r:embed="rId2">
+            <a:extLst>
+              <a:ext uri="{28A0092B-C50C-407E-A947-70E740481C1C}">
+                <a14:useLocalDpi xmlns:a14="http://schemas.microsoft.com/office/drawing/2010/main" val="0"/>
+              </a:ext>
+            </a:extLst>
+          </a:blip>
+          <a:stretch>
+            <a:fillRect/>
+          </a:stretch>
+        </p:blipFill>
+        <p:spPr>
+          <a:xfrm>
+            <a:off x="1187624" y="2276872"/>
+            <a:ext cx="5882400" cy="2500020"/>
+          </a:xfrm>
+          <a:prstGeom prst="rect">
+            <a:avLst/>
+          </a:prstGeom>
+        </p:spPr>
+      </p:pic>
+      <p:pic>
+        <p:nvPicPr>
+          <p:cNvPr id="7" name="그림 6"/>
+          <p:cNvPicPr>
+            <a:picLocks noChangeAspect="1"/>
+          </p:cNvPicPr>
+          <p:nvPr/>
+        </p:nvPicPr>
+        <p:blipFill>
+          <a:blip r:embed="rId3">
+            <a:extLst>
+              <a:ext uri="{28A0092B-C50C-407E-A947-70E740481C1C}">
+                <a14:useLocalDpi xmlns:a14="http://schemas.microsoft.com/office/drawing/2010/main" val="0"/>
+              </a:ext>
+            </a:extLst>
+          </a:blip>
+          <a:stretch>
+            <a:fillRect/>
+          </a:stretch>
+        </p:blipFill>
+        <p:spPr>
+          <a:xfrm>
+            <a:off x="1187624" y="4494690"/>
+            <a:ext cx="5882400" cy="2363310"/>
+          </a:xfrm>
+          <a:prstGeom prst="rect">
+            <a:avLst/>
+          </a:prstGeom>
+        </p:spPr>
+      </p:pic>
+    </p:spTree>
+    <p:extLst>
+      <p:ext uri="{BB962C8B-B14F-4D97-AF65-F5344CB8AC3E}">
+        <p14:creationId xmlns:p14="http://schemas.microsoft.com/office/powerpoint/2010/main" val="524486768"/>
       </p:ext>
     </p:extLst>
   </p:cSld>
@@ -5322,19 +5542,7 @@
                 <a:latin typeface="나눔고딕" panose="020D0604000000000000" pitchFamily="50" charset="-127"/>
                 <a:ea typeface="나눔고딕" panose="020D0604000000000000" pitchFamily="50" charset="-127"/>
               </a:rPr>
-              <a:t>04   </a:t>
-            </a:r>
-            <a:r>
-              <a:rPr lang="en-US" altLang="ko-KR" dirty="0" smtClean="0">
-                <a:solidFill>
-                  <a:schemeClr val="accent1">
-                    <a:lumMod val="50000"/>
-                  </a:schemeClr>
-                </a:solidFill>
-                <a:latin typeface="나눔고딕" panose="020D0604000000000000" pitchFamily="50" charset="-127"/>
-                <a:ea typeface="나눔고딕" panose="020D0604000000000000" pitchFamily="50" charset="-127"/>
-              </a:rPr>
-              <a:t>ERD &amp;</a:t>
+              <a:t>04   ERD &amp;</a:t>
             </a:r>
             <a:r>
               <a:rPr lang="ko-KR" altLang="en-US" dirty="0" smtClean="0">
@@ -5542,7 +5750,7 @@
         <p:spPr>
           <a:xfrm>
             <a:off x="193122" y="2610778"/>
-            <a:ext cx="8771366" cy="2031325"/>
+            <a:ext cx="8771366" cy="1754326"/>
           </a:xfrm>
           <a:prstGeom prst="rect">
             <a:avLst/>
@@ -5555,6 +5763,18 @@
           </a:bodyPr>
           <a:lstStyle/>
           <a:p>
+            <a:r>
+              <a:rPr lang="en-US" altLang="ko-KR" dirty="0">
+                <a:solidFill>
+                  <a:schemeClr val="accent1">
+                    <a:lumMod val="50000"/>
+                  </a:schemeClr>
+                </a:solidFill>
+                <a:latin typeface="나눔고딕" panose="020D0604000000000000" pitchFamily="50" charset="-127"/>
+                <a:ea typeface="나눔고딕" panose="020D0604000000000000" pitchFamily="50" charset="-127"/>
+              </a:rPr>
+              <a:t>	</a:t>
+            </a:r>
             <a:r>
               <a:rPr lang="ko-KR" altLang="en-US" dirty="0" smtClean="0">
                 <a:solidFill>
@@ -5565,8 +5785,54 @@
                 <a:latin typeface="나눔고딕" panose="020D0604000000000000" pitchFamily="50" charset="-127"/>
                 <a:ea typeface="나눔고딕" panose="020D0604000000000000" pitchFamily="50" charset="-127"/>
               </a:rPr>
-              <a:t>  취업률이 낮아짐에 따라 창업을 준비하는 청년들이 증가하고 있기에 개인 쇼핑몰 수요가 증가하므로 개인쇼핑몰로 하였습니다</a:t>
-            </a:r>
+              <a:t>취업률이 </a:t>
+            </a:r>
+            <a:r>
+              <a:rPr lang="ko-KR" altLang="en-US" dirty="0" smtClean="0">
+                <a:solidFill>
+                  <a:schemeClr val="accent1">
+                    <a:lumMod val="50000"/>
+                  </a:schemeClr>
+                </a:solidFill>
+                <a:latin typeface="나눔고딕" panose="020D0604000000000000" pitchFamily="50" charset="-127"/>
+                <a:ea typeface="나눔고딕" panose="020D0604000000000000" pitchFamily="50" charset="-127"/>
+              </a:rPr>
+              <a:t>낮아짐에 따라 창업을 준비하는 청년들이 </a:t>
+            </a:r>
+            <a:r>
+              <a:rPr lang="ko-KR" altLang="en-US" dirty="0" smtClean="0">
+                <a:solidFill>
+                  <a:schemeClr val="accent1">
+                    <a:lumMod val="50000"/>
+                  </a:schemeClr>
+                </a:solidFill>
+                <a:latin typeface="나눔고딕" panose="020D0604000000000000" pitchFamily="50" charset="-127"/>
+                <a:ea typeface="나눔고딕" panose="020D0604000000000000" pitchFamily="50" charset="-127"/>
+              </a:rPr>
+              <a:t>증가</a:t>
+            </a:r>
+            <a:endParaRPr lang="en-US" altLang="ko-KR" dirty="0" smtClean="0">
+              <a:solidFill>
+                <a:schemeClr val="accent1">
+                  <a:lumMod val="50000"/>
+                </a:schemeClr>
+              </a:solidFill>
+              <a:latin typeface="나눔고딕" panose="020D0604000000000000" pitchFamily="50" charset="-127"/>
+              <a:ea typeface="나눔고딕" panose="020D0604000000000000" pitchFamily="50" charset="-127"/>
+            </a:endParaRPr>
+          </a:p>
+          <a:p>
+            <a:endParaRPr lang="en-US" altLang="ko-KR" dirty="0" smtClean="0">
+              <a:solidFill>
+                <a:schemeClr val="accent1">
+                  <a:lumMod val="50000"/>
+                </a:schemeClr>
+              </a:solidFill>
+              <a:latin typeface="나눔고딕" panose="020D0604000000000000" pitchFamily="50" charset="-127"/>
+              <a:ea typeface="나눔고딕" panose="020D0604000000000000" pitchFamily="50" charset="-127"/>
+            </a:endParaRPr>
+          </a:p>
+          <a:p>
             <a:r>
               <a:rPr lang="en-US" altLang="ko-KR" dirty="0" smtClean="0">
                 <a:solidFill>
@@ -5577,21 +5843,8 @@
                 <a:latin typeface="나눔고딕" panose="020D0604000000000000" pitchFamily="50" charset="-127"/>
                 <a:ea typeface="나눔고딕" panose="020D0604000000000000" pitchFamily="50" charset="-127"/>
               </a:rPr>
-              <a:t>.</a:t>
-            </a:r>
-          </a:p>
-          <a:p>
-            <a:endParaRPr lang="en-US" altLang="ko-KR" dirty="0" smtClean="0">
-              <a:solidFill>
-                <a:schemeClr val="accent1">
-                  <a:lumMod val="50000"/>
-                </a:schemeClr>
-              </a:solidFill>
-              <a:latin typeface="나눔고딕" panose="020D0604000000000000" pitchFamily="50" charset="-127"/>
-              <a:ea typeface="나눔고딕" panose="020D0604000000000000" pitchFamily="50" charset="-127"/>
-            </a:endParaRPr>
-          </a:p>
-          <a:p>
+              <a:t>	</a:t>
+            </a:r>
             <a:r>
               <a:rPr lang="ko-KR" altLang="en-US" dirty="0" smtClean="0">
                 <a:solidFill>
@@ -5602,7 +5855,19 @@
                 <a:latin typeface="나눔고딕" panose="020D0604000000000000" pitchFamily="50" charset="-127"/>
                 <a:ea typeface="나눔고딕" panose="020D0604000000000000" pitchFamily="50" charset="-127"/>
               </a:rPr>
-              <a:t>  제품이 액세서리인 이유는 동아리 후배 중 공예디자인을 전공하는 후배가</a:t>
+              <a:t>액세서리인 </a:t>
+            </a:r>
+            <a:r>
+              <a:rPr lang="ko-KR" altLang="en-US" dirty="0" smtClean="0">
+                <a:solidFill>
+                  <a:schemeClr val="accent1">
+                    <a:lumMod val="50000"/>
+                  </a:schemeClr>
+                </a:solidFill>
+                <a:latin typeface="나눔고딕" panose="020D0604000000000000" pitchFamily="50" charset="-127"/>
+                <a:ea typeface="나눔고딕" panose="020D0604000000000000" pitchFamily="50" charset="-127"/>
+              </a:rPr>
+              <a:t>이유는 동아리 후배 중 공예디자인을 전공하는 후배가</a:t>
             </a:r>
             <a:r>
               <a:rPr lang="ko-KR" altLang="en-US" dirty="0">
@@ -9046,7 +9311,7 @@
                 <a:latin typeface="나눔고딕" panose="020D0604000000000000" pitchFamily="50" charset="-127"/>
                 <a:ea typeface="나눔고딕" panose="020D0604000000000000" pitchFamily="50" charset="-127"/>
               </a:rPr>
-              <a:t>05</a:t>
+              <a:t>04</a:t>
             </a:r>
             <a:endParaRPr lang="ko-KR" altLang="en-US" sz="5400" spc="-150" dirty="0">
               <a:latin typeface="나눔고딕" panose="020D0604000000000000" pitchFamily="50" charset="-127"/>
@@ -9078,8 +9343,8 @@
           <a:lstStyle/>
           <a:p>
             <a:r>
-              <a:rPr lang="ko-KR" altLang="en-US" sz="2800" dirty="0" smtClean="0"/>
-              <a:t>구현 코드</a:t>
+              <a:rPr lang="en-US" altLang="ko-KR" sz="2800" dirty="0" smtClean="0"/>
+              <a:t>ERD &amp; DB</a:t>
             </a:r>
             <a:endParaRPr lang="ko-KR" altLang="en-US" sz="2800" dirty="0"/>
           </a:p>
@@ -9087,7 +9352,7 @@
       </p:sp>
       <p:pic>
         <p:nvPicPr>
-          <p:cNvPr id="7" name="그림 6"/>
+          <p:cNvPr id="6" name="그림 5"/>
           <p:cNvPicPr>
             <a:picLocks noChangeAspect="1"/>
           </p:cNvPicPr>
@@ -9107,64 +9372,48 @@
         </p:blipFill>
         <p:spPr>
           <a:xfrm>
-            <a:off x="2785410" y="2208510"/>
-            <a:ext cx="2237313" cy="4651200"/>
+            <a:off x="1193522" y="2278028"/>
+            <a:ext cx="5883176" cy="2469061"/>
           </a:xfrm>
           <a:prstGeom prst="rect">
             <a:avLst/>
           </a:prstGeom>
         </p:spPr>
       </p:pic>
-      <p:sp>
-        <p:nvSpPr>
-          <p:cNvPr id="8" name="TextBox 7"/>
-          <p:cNvSpPr txBox="1"/>
-          <p:nvPr/>
-        </p:nvSpPr>
-        <p:spPr>
-          <a:xfrm>
-            <a:off x="193122" y="2355222"/>
-            <a:ext cx="2592288" cy="369332"/>
+      <p:pic>
+        <p:nvPicPr>
+          <p:cNvPr id="7" name="그림 6"/>
+          <p:cNvPicPr>
+            <a:picLocks noChangeAspect="1"/>
+          </p:cNvPicPr>
+          <p:nvPr/>
+        </p:nvPicPr>
+        <p:blipFill>
+          <a:blip r:embed="rId3">
+            <a:extLst>
+              <a:ext uri="{28A0092B-C50C-407E-A947-70E740481C1C}">
+                <a14:useLocalDpi xmlns:a14="http://schemas.microsoft.com/office/drawing/2010/main" val="0"/>
+              </a:ext>
+            </a:extLst>
+          </a:blip>
+          <a:stretch>
+            <a:fillRect/>
+          </a:stretch>
+        </p:blipFill>
+        <p:spPr>
+          <a:xfrm>
+            <a:off x="1187624" y="4741082"/>
+            <a:ext cx="5883176" cy="2092558"/>
           </a:xfrm>
           <a:prstGeom prst="rect">
             <a:avLst/>
           </a:prstGeom>
-          <a:noFill/>
-        </p:spPr>
-        <p:txBody>
-          <a:bodyPr wrap="square" rtlCol="0">
-            <a:spAutoFit/>
-          </a:bodyPr>
-          <a:lstStyle/>
-          <a:p>
-            <a:r>
-              <a:rPr lang="ko-KR" altLang="en-US" dirty="0" smtClean="0">
-                <a:solidFill>
-                  <a:schemeClr val="accent1">
-                    <a:lumMod val="50000"/>
-                  </a:schemeClr>
-                </a:solidFill>
-                <a:latin typeface="나눔고딕" panose="020D0604000000000000" pitchFamily="50" charset="-127"/>
-                <a:ea typeface="나눔고딕" panose="020D0604000000000000" pitchFamily="50" charset="-127"/>
-              </a:rPr>
-              <a:t>프로젝트 구성</a:t>
-            </a:r>
-            <a:endParaRPr lang="en-US" altLang="ko-KR" dirty="0" smtClean="0">
-              <a:solidFill>
-                <a:schemeClr val="accent1">
-                  <a:lumMod val="50000"/>
-                </a:schemeClr>
-              </a:solidFill>
-              <a:latin typeface="나눔고딕" panose="020D0604000000000000" pitchFamily="50" charset="-127"/>
-              <a:ea typeface="나눔고딕" panose="020D0604000000000000" pitchFamily="50" charset="-127"/>
-            </a:endParaRPr>
-          </a:p>
-        </p:txBody>
-      </p:sp>
+        </p:spPr>
+      </p:pic>
     </p:spTree>
     <p:extLst>
       <p:ext uri="{BB962C8B-B14F-4D97-AF65-F5344CB8AC3E}">
-        <p14:creationId xmlns:p14="http://schemas.microsoft.com/office/powerpoint/2010/main" val="1658897506"/>
+        <p14:creationId xmlns:p14="http://schemas.microsoft.com/office/powerpoint/2010/main" val="4190244534"/>
       </p:ext>
     </p:extLst>
   </p:cSld>
